--- a/Slides/20486Core_04.pptx
+++ b/Slides/20486Core_04.pptx
@@ -44,43 +44,43 @@
   <p:notesSz cx="6858000" cy="9144000"/>
   <p:embeddedFontLst>
     <p:embeddedFont>
+      <p:font typeface="Verdana" panose="020B0604030504040204" pitchFamily="34" charset="0"/>
+      <p:regular r:id="rId34"/>
+      <p:bold r:id="rId35"/>
+      <p:italic r:id="rId36"/>
+      <p:boldItalic r:id="rId37"/>
+    </p:embeddedFont>
+    <p:embeddedFont>
+      <p:font typeface="Segoe UI Light" panose="020B0502040204020203" pitchFamily="34" charset="0"/>
+      <p:regular r:id="rId38"/>
+      <p:italic r:id="rId39"/>
+    </p:embeddedFont>
+    <p:embeddedFont>
+      <p:font typeface="Segoe Light" panose="020B0604020202020204" charset="0"/>
+      <p:regular r:id="rId40"/>
+      <p:italic r:id="rId41"/>
+    </p:embeddedFont>
+    <p:embeddedFont>
       <p:font typeface="Lucida Sans Unicode" panose="020B0602030504020204" pitchFamily="34" charset="0"/>
-      <p:regular r:id="rId34"/>
+      <p:regular r:id="rId42"/>
     </p:embeddedFont>
     <p:embeddedFont>
       <p:font typeface="Segoe UI" panose="020B0502040204020203" pitchFamily="34" charset="0"/>
-      <p:regular r:id="rId35"/>
-      <p:bold r:id="rId36"/>
-      <p:italic r:id="rId37"/>
-      <p:boldItalic r:id="rId38"/>
+      <p:regular r:id="rId43"/>
+      <p:bold r:id="rId44"/>
+      <p:italic r:id="rId45"/>
+      <p:boldItalic r:id="rId46"/>
     </p:embeddedFont>
     <p:embeddedFont>
       <p:font typeface="Calibri" panose="020F0502020204030204" pitchFamily="34" charset="0"/>
-      <p:regular r:id="rId39"/>
-      <p:bold r:id="rId40"/>
-      <p:italic r:id="rId41"/>
-      <p:boldItalic r:id="rId42"/>
+      <p:regular r:id="rId47"/>
+      <p:bold r:id="rId48"/>
+      <p:italic r:id="rId49"/>
+      <p:boldItalic r:id="rId50"/>
     </p:embeddedFont>
     <p:embeddedFont>
       <p:font typeface="Arial Unicode MS" panose="020B0604020202020204" charset="-128"/>
-      <p:regular r:id="rId43"/>
-    </p:embeddedFont>
-    <p:embeddedFont>
-      <p:font typeface="Segoe Light" panose="020B0604020202020204" charset="0"/>
-      <p:regular r:id="rId44"/>
-      <p:italic r:id="rId45"/>
-    </p:embeddedFont>
-    <p:embeddedFont>
-      <p:font typeface="Verdana" panose="020B0604030504040204" pitchFamily="34" charset="0"/>
-      <p:regular r:id="rId46"/>
-      <p:bold r:id="rId47"/>
-      <p:italic r:id="rId48"/>
-      <p:boldItalic r:id="rId49"/>
-    </p:embeddedFont>
-    <p:embeddedFont>
-      <p:font typeface="Segoe UI Light" panose="020B0502040204020203" pitchFamily="34" charset="0"/>
-      <p:regular r:id="rId50"/>
-      <p:italic r:id="rId51"/>
+      <p:regular r:id="rId51"/>
     </p:embeddedFont>
   </p:embeddedFontLst>
   <p:custDataLst>
@@ -297,7 +297,7 @@
             <a:fld id="{6D41232D-D427-41CE-98E4-E646442C5B72}" type="datetimeFigureOut">
               <a:rPr lang="en-US" smtClean="0"/>
               <a:pPr/>
-              <a:t>11/8/2016</a:t>
+              <a:t>12/20/2016</a:t>
             </a:fld>
             <a:endParaRPr lang="en-US"/>
           </a:p>
@@ -592,8 +592,8 @@
         </p:nvSpPr>
         <p:spPr>
           <a:xfrm>
-            <a:off x="4325111" y="73151"/>
-            <a:ext cx="2468880" cy="1851660"/>
+            <a:off x="4325938" y="73025"/>
+            <a:ext cx="2466975" cy="1851025"/>
           </a:xfrm>
         </p:spPr>
       </p:sp>
@@ -14512,24 +14512,20 @@
             <a:spLocks noGrp="1"/>
           </p:cNvSpPr>
           <p:nvPr>
-            <p:ph type="ctrTitle" sz="quarter"/>
+            <p:ph type="title"/>
           </p:nvPr>
         </p:nvSpPr>
-        <p:spPr>
-          <a:xfrm>
-            <a:off x="3106782" y="3169492"/>
-            <a:ext cx="5732417" cy="340093"/>
-          </a:xfrm>
-        </p:spPr>
+        <p:spPr/>
         <p:txBody>
           <a:bodyPr/>
           <a:lstStyle/>
           <a:p>
-            <a:r>
-              <a:rPr lang="en-US" sz="2600" smtClean="0"/>
+            <a:pPr algn="ctr"/>
+            <a:r>
+              <a:rPr lang="en-US" sz="2600" dirty="0" smtClean="0"/>
               <a:t>Module04</a:t>
             </a:r>
-            <a:endParaRPr lang="en-US" sz="2600"/>
+            <a:endParaRPr lang="en-US" sz="2600" dirty="0"/>
           </a:p>
         </p:txBody>
       </p:sp>
@@ -14540,20 +14536,49 @@
             <a:spLocks noGrp="1"/>
           </p:cNvSpPr>
           <p:nvPr>
-            <p:ph type="subTitle" sz="quarter" idx="1"/>
+            <p:ph idx="1"/>
           </p:nvPr>
         </p:nvSpPr>
         <p:spPr/>
         <p:txBody>
-          <a:bodyPr/>
+          <a:bodyPr anchor="ctr"/>
           <a:lstStyle/>
           <a:p>
-            <a:r>
-              <a:rPr lang="en-US" smtClean="0"/>
-              <a:t>Developing ASP.NET MVC 4 Controllers
-</a:t>
-            </a:r>
-            <a:endParaRPr lang="en-US"/>
+            <a:pPr marL="0" indent="0" algn="ctr">
+              <a:buNone/>
+            </a:pPr>
+            <a:r>
+              <a:rPr lang="en-US" sz="4400" dirty="0" smtClean="0"/>
+              <a:t>Developing </a:t>
+            </a:r>
+            <a:endParaRPr lang="en-US" sz="4400" dirty="0" smtClean="0"/>
+          </a:p>
+          <a:p>
+            <a:pPr marL="0" indent="0" algn="ctr">
+              <a:buNone/>
+            </a:pPr>
+            <a:r>
+              <a:rPr lang="en-US" sz="4400" dirty="0" smtClean="0"/>
+              <a:t>ASP.NET </a:t>
+            </a:r>
+            <a:r>
+              <a:rPr lang="en-US" sz="4400" dirty="0" smtClean="0"/>
+              <a:t>MVC </a:t>
+            </a:r>
+            <a:r>
+              <a:rPr lang="en-US" sz="4400" dirty="0" smtClean="0"/>
+              <a:t>Core </a:t>
+            </a:r>
+          </a:p>
+          <a:p>
+            <a:pPr marL="0" indent="0" algn="ctr">
+              <a:buNone/>
+            </a:pPr>
+            <a:r>
+              <a:rPr lang="en-US" sz="4400" dirty="0" smtClean="0"/>
+              <a:t>Controllers</a:t>
+            </a:r>
+            <a:endParaRPr lang="en-US" sz="4400" dirty="0"/>
           </a:p>
         </p:txBody>
       </p:sp>
@@ -15209,11 +15234,11 @@
   <p:clrMapOvr>
     <a:masterClrMapping/>
   </p:clrMapOvr>
-  <mc:AlternateContent xmlns:mc="http://schemas.openxmlformats.org/markup-compatibility/2006">
-    <mc:Choice xmlns:p14="http://schemas.microsoft.com/office/powerpoint/2010/main" Requires="p14">
+  <mc:AlternateContent xmlns:mc="http://schemas.openxmlformats.org/markup-compatibility/2006" xmlns:p14="http://schemas.microsoft.com/office/powerpoint/2010/main">
+    <mc:Choice Requires="p14">
       <p:transition spd="slow" p14:dur="2000"/>
     </mc:Choice>
-    <mc:Fallback>
+    <mc:Fallback xmlns="">
       <p:transition spd="slow"/>
     </mc:Fallback>
   </mc:AlternateContent>
@@ -16048,11 +16073,11 @@
   <p:clrMapOvr>
     <a:masterClrMapping/>
   </p:clrMapOvr>
-  <mc:AlternateContent xmlns:mc="http://schemas.openxmlformats.org/markup-compatibility/2006">
-    <mc:Choice xmlns:p14="http://schemas.microsoft.com/office/powerpoint/2010/main" Requires="p14">
+  <mc:AlternateContent xmlns:mc="http://schemas.openxmlformats.org/markup-compatibility/2006" xmlns:p14="http://schemas.microsoft.com/office/powerpoint/2010/main">
+    <mc:Choice Requires="p14">
       <p:transition spd="slow" p14:dur="2000"/>
     </mc:Choice>
-    <mc:Fallback>
+    <mc:Fallback xmlns="">
       <p:transition spd="slow"/>
     </mc:Fallback>
   </mc:AlternateContent>
@@ -19938,15 +19963,7 @@
           <a:p>
             <a:r>
               <a:rPr lang="en-US" dirty="0" smtClean="0"/>
-              <a:t>Lab: Developing ASP.NET MVC </a:t>
-            </a:r>
-            <a:r>
-              <a:rPr lang="en-US" dirty="0" smtClean="0"/>
-              <a:t>Core </a:t>
-            </a:r>
-            <a:r>
-              <a:rPr lang="en-US" dirty="0" smtClean="0"/>
-              <a:t>Controllers</a:t>
+              <a:t>Lab: Developing ASP.NET MVC Core Controllers</a:t>
             </a:r>
             <a:endParaRPr lang="en-US" dirty="0"/>
           </a:p>
@@ -20282,11 +20299,7 @@
 Writing Controller Actions
 Using Parameters
 Passing Information to Views
-Demonstration: How to Create a </a:t>
-            </a:r>
-            <a:r>
-              <a:rPr lang="en-US" dirty="0" smtClean="0"/>
-              <a:t>Controller</a:t>
+Demonstration: How to Create a Controller</a:t>
             </a:r>
             <a:endParaRPr lang="en-US" dirty="0"/>
           </a:p>
@@ -22955,13 +22968,8 @@
             </a:r>
             <a:r>
               <a:rPr lang="en-US" dirty="0" smtClean="0"/>
-              <a:t> property : To dynamically add objects of any </a:t>
-            </a:r>
-            <a:r>
-              <a:rPr lang="en-US" dirty="0" smtClean="0"/>
-              <a:t>type</a:t>
-            </a:r>
-            <a:endParaRPr lang="en-US" dirty="0" smtClean="0"/>
+              <a:t> property : To dynamically add objects of any type</a:t>
+            </a:r>
           </a:p>
         </p:txBody>
       </p:sp>
